--- a/Presentation/class_freq_2_drug.pptx
+++ b/Presentation/class_freq_2_drug.pptx
@@ -8214,7 +8214,7 @@
                 </a:uFill>
                 <a:latin typeface="Calibri"/>
               </a:rPr>
-              <a:t>63819               55.0562 </a:t>
+              <a:t>59488               53.9178 </a:t>
             </a:r>
             <a:r>
               <a:rPr lang="en-IN" spc="-1" dirty="0" smtClean="0">
@@ -8294,7 +8294,7 @@
                 </a:uFill>
                 <a:latin typeface="Calibri"/>
               </a:rPr>
-              <a:t>52097               44.9438 </a:t>
+              <a:t>50843               46.0822 </a:t>
             </a:r>
             <a:r>
               <a:rPr lang="en-IN" spc="-1" dirty="0" smtClean="0">
@@ -8378,20 +8378,6 @@
               <a:t>	         </a:t>
             </a:r>
             <a:r>
-              <a:rPr lang="en-IN" spc="-1" dirty="0" smtClean="0">
-                <a:solidFill>
-                  <a:srgbClr val="000000"/>
-                </a:solidFill>
-                <a:uFill>
-                  <a:solidFill>
-                    <a:srgbClr val="FFFFFF"/>
-                  </a:solidFill>
-                </a:uFill>
-                <a:latin typeface="Calibri"/>
-              </a:rPr>
-              <a:t>98.2157 </a:t>
-            </a:r>
-            <a:r>
               <a:rPr lang="en-IN" spc="-1" dirty="0">
                 <a:solidFill>
                   <a:srgbClr val="000000"/>
@@ -8403,7 +8389,7 @@
                 </a:uFill>
                 <a:latin typeface="Calibri"/>
               </a:rPr>
-              <a:t>%</a:t>
+              <a:t>99.2931 %</a:t>
             </a:r>
             <a:r>
               <a:rPr lang="en-IN" b="0" strike="noStrike" spc="-1" dirty="0" smtClean="0">
@@ -8508,35 +8494,7 @@
                 </a:uFill>
                 <a:latin typeface="Calibri"/>
               </a:rPr>
-              <a:t>	</a:t>
-            </a:r>
-            <a:r>
-              <a:rPr lang="en-IN" spc="-1" dirty="0" smtClean="0">
-                <a:solidFill>
-                  <a:srgbClr val="000000"/>
-                </a:solidFill>
-                <a:uFill>
-                  <a:solidFill>
-                    <a:srgbClr val="FFFFFF"/>
-                  </a:solidFill>
-                </a:uFill>
-                <a:latin typeface="Calibri"/>
-              </a:rPr>
-              <a:t>=== </a:t>
-            </a:r>
-            <a:r>
-              <a:rPr lang="en-IN" spc="-1" dirty="0">
-                <a:solidFill>
-                  <a:srgbClr val="000000"/>
-                </a:solidFill>
-                <a:uFill>
-                  <a:solidFill>
-                    <a:srgbClr val="FFFFFF"/>
-                  </a:solidFill>
-                </a:uFill>
-                <a:latin typeface="Calibri"/>
-              </a:rPr>
-              <a:t>Confusion Matrix ===</a:t>
+              <a:t>	=== Confusion Matrix ===</a:t>
             </a:r>
           </a:p>
           <a:p>
@@ -8567,7 +8525,7 @@
                 </a:uFill>
                 <a:latin typeface="Calibri"/>
               </a:rPr>
-              <a:t>   </a:t>
+              <a:t>     </a:t>
             </a:r>
             <a:r>
               <a:rPr lang="en-IN" spc="-1" dirty="0" smtClean="0">
@@ -8581,7 +8539,7 @@
                 </a:uFill>
                 <a:latin typeface="Calibri"/>
               </a:rPr>
-              <a:t>    </a:t>
+              <a:t> a         </a:t>
             </a:r>
             <a:r>
               <a:rPr lang="en-IN" spc="-1" dirty="0">
@@ -8595,7 +8553,24 @@
                 </a:uFill>
                 <a:latin typeface="Calibri"/>
               </a:rPr>
-              <a:t>a   </a:t>
+              <a:t>b   &lt;-- classified as</a:t>
+            </a:r>
+          </a:p>
+          <a:p>
+            <a:pPr lvl="4"/>
+            <a:r>
+              <a:rPr lang="en-IN" spc="-1" dirty="0">
+                <a:solidFill>
+                  <a:srgbClr val="000000"/>
+                </a:solidFill>
+                <a:uFill>
+                  <a:solidFill>
+                    <a:srgbClr val="FFFFFF"/>
+                  </a:solidFill>
+                </a:uFill>
+                <a:latin typeface="Calibri"/>
+              </a:rPr>
+              <a:t> 44830 </a:t>
             </a:r>
             <a:r>
               <a:rPr lang="en-IN" spc="-1" dirty="0" smtClean="0">
@@ -8609,7 +8584,7 @@
                 </a:uFill>
                 <a:latin typeface="Calibri"/>
               </a:rPr>
-              <a:t>        </a:t>
+              <a:t>  14385 </a:t>
             </a:r>
             <a:r>
               <a:rPr lang="en-IN" spc="-1" dirty="0">
@@ -8623,7 +8598,7 @@
                 </a:uFill>
                 <a:latin typeface="Calibri"/>
               </a:rPr>
-              <a:t>b   &lt;-- classified as</a:t>
+              <a:t>|     a = NF</a:t>
             </a:r>
           </a:p>
           <a:p>
@@ -8640,7 +8615,7 @@
                 </a:uFill>
                 <a:latin typeface="Calibri"/>
               </a:rPr>
-              <a:t> 49267 </a:t>
+              <a:t> 36458 </a:t>
             </a:r>
             <a:r>
               <a:rPr lang="en-IN" spc="-1" dirty="0" smtClean="0">
@@ -8654,52 +8629,7 @@
                 </a:uFill>
                 <a:latin typeface="Calibri"/>
               </a:rPr>
-              <a:t>   14304 </a:t>
-            </a:r>
-            <a:r>
-              <a:rPr lang="en-IN" spc="-1" dirty="0">
-                <a:solidFill>
-                  <a:srgbClr val="000000"/>
-                </a:solidFill>
-                <a:uFill>
-                  <a:solidFill>
-                    <a:srgbClr val="FFFFFF"/>
-                  </a:solidFill>
-                </a:uFill>
-                <a:latin typeface="Calibri"/>
-              </a:rPr>
-              <a:t>|     a = NF</a:t>
-            </a:r>
-          </a:p>
-          <a:p>
-            <a:pPr lvl="4"/>
-            <a:r>
-              <a:rPr lang="en-IN" spc="-1" dirty="0">
-                <a:solidFill>
-                  <a:srgbClr val="000000"/>
-                </a:solidFill>
-                <a:uFill>
-                  <a:solidFill>
-                    <a:srgbClr val="FFFFFF"/>
-                  </a:solidFill>
-                </a:uFill>
-                <a:latin typeface="Calibri"/>
-              </a:rPr>
-              <a:t> 37793 </a:t>
-            </a:r>
-            <a:r>
-              <a:rPr lang="en-IN" spc="-1" dirty="0" smtClean="0">
-                <a:solidFill>
-                  <a:srgbClr val="000000"/>
-                </a:solidFill>
-                <a:uFill>
-                  <a:solidFill>
-                    <a:srgbClr val="FFFFFF"/>
-                  </a:solidFill>
-                </a:uFill>
-                <a:latin typeface="Calibri"/>
-              </a:rPr>
-              <a:t>   14552 </a:t>
+              <a:t>  14658 </a:t>
             </a:r>
             <a:r>
               <a:rPr lang="en-IN" spc="-1" dirty="0">
@@ -8953,7 +8883,7 @@
                 </a:uFill>
                 <a:latin typeface="Calibri"/>
               </a:rPr>
-              <a:t>63571               54.8423 </a:t>
+              <a:t>59215               53.6703 </a:t>
             </a:r>
             <a:r>
               <a:rPr lang="en-IN" spc="-1" dirty="0" smtClean="0">
@@ -9033,7 +8963,7 @@
                 </a:uFill>
                 <a:latin typeface="Calibri"/>
               </a:rPr>
-              <a:t>52345               45.1577 </a:t>
+              <a:t>51116               46.3297 </a:t>
             </a:r>
             <a:r>
               <a:rPr lang="en-IN" spc="-1" dirty="0" smtClean="0">
@@ -9113,7 +9043,7 @@
                 </a:uFill>
                 <a:latin typeface="Calibri"/>
               </a:rPr>
-              <a:t>91.1705 %</a:t>
+              <a:t>93.1614 %</a:t>
             </a:r>
             <a:endParaRPr lang="en-IN" sz="1800" b="0" strike="noStrike" spc="-1" dirty="0">
               <a:solidFill>
@@ -9289,7 +9219,7 @@
                 </a:uFill>
                 <a:latin typeface="Calibri"/>
               </a:rPr>
-              <a:t>    b   </a:t>
+              <a:t>     b   </a:t>
             </a:r>
             <a:r>
               <a:rPr lang="en-IN" spc="-1" dirty="0">
@@ -9320,7 +9250,35 @@
                 </a:uFill>
                 <a:latin typeface="Calibri"/>
               </a:rPr>
-              <a:t> 63571     0 |     a = NF</a:t>
+              <a:t> 59215     </a:t>
+            </a:r>
+            <a:r>
+              <a:rPr lang="en-IN" spc="-1" dirty="0" smtClean="0">
+                <a:solidFill>
+                  <a:srgbClr val="000000"/>
+                </a:solidFill>
+                <a:uFill>
+                  <a:solidFill>
+                    <a:srgbClr val="FFFFFF"/>
+                  </a:solidFill>
+                </a:uFill>
+                <a:latin typeface="Calibri"/>
+              </a:rPr>
+              <a:t>  0 </a:t>
+            </a:r>
+            <a:r>
+              <a:rPr lang="en-IN" spc="-1" dirty="0">
+                <a:solidFill>
+                  <a:srgbClr val="000000"/>
+                </a:solidFill>
+                <a:uFill>
+                  <a:solidFill>
+                    <a:srgbClr val="FFFFFF"/>
+                  </a:solidFill>
+                </a:uFill>
+                <a:latin typeface="Calibri"/>
+              </a:rPr>
+              <a:t>|     a = NF</a:t>
             </a:r>
           </a:p>
           <a:p>
@@ -9337,7 +9295,35 @@
                 </a:uFill>
                 <a:latin typeface="Calibri"/>
               </a:rPr>
-              <a:t> 52345     0 |     b = F</a:t>
+              <a:t> 51116    </a:t>
+            </a:r>
+            <a:r>
+              <a:rPr lang="en-IN" spc="-1" dirty="0" smtClean="0">
+                <a:solidFill>
+                  <a:srgbClr val="000000"/>
+                </a:solidFill>
+                <a:uFill>
+                  <a:solidFill>
+                    <a:srgbClr val="FFFFFF"/>
+                  </a:solidFill>
+                </a:uFill>
+                <a:latin typeface="Calibri"/>
+              </a:rPr>
+              <a:t>   </a:t>
+            </a:r>
+            <a:r>
+              <a:rPr lang="en-IN" spc="-1" dirty="0">
+                <a:solidFill>
+                  <a:srgbClr val="000000"/>
+                </a:solidFill>
+                <a:uFill>
+                  <a:solidFill>
+                    <a:srgbClr val="FFFFFF"/>
+                  </a:solidFill>
+                </a:uFill>
+                <a:latin typeface="Calibri"/>
+              </a:rPr>
+              <a:t>0 |     b = F</a:t>
             </a:r>
             <a:endParaRPr lang="en-IN" b="0" strike="noStrike" spc="-1" dirty="0">
               <a:solidFill>
@@ -9577,7 +9563,7 @@
                 </a:uFill>
                 <a:latin typeface="Calibri"/>
               </a:rPr>
-              <a:t>64536               55.6748 </a:t>
+              <a:t>60270               54.6265 </a:t>
             </a:r>
             <a:r>
               <a:rPr lang="en-IN" spc="-1" dirty="0" smtClean="0">
@@ -9672,7 +9658,7 @@
                 </a:uFill>
                 <a:latin typeface="Calibri"/>
               </a:rPr>
-              <a:t>51380               44.3252 </a:t>
+              <a:t>50061               45.3735 </a:t>
             </a:r>
             <a:r>
               <a:rPr lang="en-IN" spc="-1" dirty="0" smtClean="0">
@@ -9752,7 +9738,7 @@
                 </a:uFill>
                 <a:latin typeface="Calibri"/>
               </a:rPr>
-              <a:t>89.4897 %</a:t>
+              <a:t>91.2386 %</a:t>
             </a:r>
             <a:endParaRPr lang="en-IN" sz="1800" b="0" strike="noStrike" spc="-1" dirty="0">
               <a:solidFill>
@@ -9870,7 +9856,7 @@
                 </a:uFill>
                 <a:latin typeface="Calibri"/>
               </a:rPr>
-              <a:t>             	=== </a:t>
+              <a:t>             	</a:t>
             </a:r>
             <a:r>
               <a:rPr lang="en-IN" spc="-1" dirty="0">
@@ -9884,7 +9870,7 @@
                 </a:uFill>
                 <a:latin typeface="Calibri"/>
               </a:rPr>
-              <a:t>Confusion Matrix ===</a:t>
+              <a:t>=== Confusion Matrix ===</a:t>
             </a:r>
           </a:p>
           <a:p>
@@ -9914,7 +9900,7 @@
                 </a:uFill>
                 <a:latin typeface="Calibri"/>
               </a:rPr>
-              <a:t>   </a:t>
+              <a:t>    </a:t>
             </a:r>
             <a:r>
               <a:rPr lang="en-IN" spc="-1" dirty="0" smtClean="0">
@@ -9928,7 +9914,7 @@
                 </a:uFill>
                 <a:latin typeface="Calibri"/>
               </a:rPr>
-              <a:t>    </a:t>
+              <a:t>  </a:t>
             </a:r>
             <a:r>
               <a:rPr lang="en-IN" spc="-1" dirty="0">
@@ -9942,7 +9928,7 @@
                 </a:uFill>
                 <a:latin typeface="Calibri"/>
               </a:rPr>
-              <a:t>a   </a:t>
+              <a:t>a    </a:t>
             </a:r>
             <a:r>
               <a:rPr lang="en-IN" spc="-1" dirty="0" smtClean="0">
@@ -9987,7 +9973,7 @@
                 </a:uFill>
                 <a:latin typeface="Calibri"/>
               </a:rPr>
-              <a:t> </a:t>
+              <a:t> 44690 </a:t>
             </a:r>
             <a:r>
               <a:rPr lang="en-IN" spc="-1" dirty="0" smtClean="0">
@@ -10001,7 +9987,7 @@
                 </a:uFill>
                 <a:latin typeface="Calibri"/>
               </a:rPr>
-              <a:t>47321   </a:t>
+              <a:t>  14525 </a:t>
             </a:r>
             <a:r>
               <a:rPr lang="en-IN" spc="-1" dirty="0">
@@ -10015,7 +10001,7 @@
                 </a:uFill>
                 <a:latin typeface="Calibri"/>
               </a:rPr>
-              <a:t>16250 |     a = NF</a:t>
+              <a:t>|     a = NF</a:t>
             </a:r>
           </a:p>
           <a:p>
@@ -10032,7 +10018,7 @@
                 </a:uFill>
                 <a:latin typeface="Calibri"/>
               </a:rPr>
-              <a:t> 35130 </a:t>
+              <a:t> 35536 </a:t>
             </a:r>
             <a:r>
               <a:rPr lang="en-IN" spc="-1" dirty="0" smtClean="0">
@@ -10046,7 +10032,7 @@
                 </a:uFill>
                 <a:latin typeface="Calibri"/>
               </a:rPr>
-              <a:t>  17215 </a:t>
+              <a:t>  15580 </a:t>
             </a:r>
             <a:r>
               <a:rPr lang="en-IN" spc="-1" dirty="0">
@@ -10300,7 +10286,7 @@
                 </a:uFill>
                 <a:latin typeface="Calibri"/>
               </a:rPr>
-              <a:t>66639               57.489  </a:t>
+              <a:t>62480               56.6296 </a:t>
             </a:r>
             <a:r>
               <a:rPr lang="en-IN" spc="-1" dirty="0" smtClean="0">
@@ -10395,7 +10381,7 @@
                 </a:uFill>
                 <a:latin typeface="Calibri"/>
               </a:rPr>
-              <a:t>49277               42.511  </a:t>
+              <a:t>47851               43.3704 </a:t>
             </a:r>
             <a:r>
               <a:rPr lang="en-IN" spc="-1" dirty="0" smtClean="0">
@@ -10475,7 +10461,7 @@
                 </a:uFill>
                 <a:latin typeface="Calibri"/>
               </a:rPr>
-              <a:t>96.021  %</a:t>
+              <a:t>97.2005 %</a:t>
             </a:r>
             <a:endParaRPr lang="en-IN" sz="1800" b="0" strike="noStrike" spc="-1" dirty="0">
               <a:solidFill>
@@ -10608,9 +10594,37 @@
                 </a:uFill>
                 <a:latin typeface="Calibri"/>
               </a:rPr>
+              <a:t>    </a:t>
+            </a:r>
+            <a:r>
+              <a:rPr lang="en-IN" spc="-1" dirty="0" smtClean="0">
+                <a:solidFill>
+                  <a:srgbClr val="000000"/>
+                </a:solidFill>
+                <a:uFill>
+                  <a:solidFill>
+                    <a:srgbClr val="FFFFFF"/>
+                  </a:solidFill>
+                </a:uFill>
+                <a:latin typeface="Calibri"/>
+              </a:rPr>
               <a:t>  </a:t>
             </a:r>
             <a:r>
+              <a:rPr lang="en-IN" spc="-1" dirty="0">
+                <a:solidFill>
+                  <a:srgbClr val="000000"/>
+                </a:solidFill>
+                <a:uFill>
+                  <a:solidFill>
+                    <a:srgbClr val="FFFFFF"/>
+                  </a:solidFill>
+                </a:uFill>
+                <a:latin typeface="Calibri"/>
+              </a:rPr>
+              <a:t>a    </a:t>
+            </a:r>
+            <a:r>
               <a:rPr lang="en-IN" spc="-1" dirty="0" smtClean="0">
                 <a:solidFill>
                   <a:srgbClr val="000000"/>
@@ -10636,7 +10650,24 @@
                 </a:uFill>
                 <a:latin typeface="Calibri"/>
               </a:rPr>
-              <a:t>a     </a:t>
+              <a:t>b   &lt;-- classified as</a:t>
+            </a:r>
+          </a:p>
+          <a:p>
+            <a:pPr lvl="4"/>
+            <a:r>
+              <a:rPr lang="en-IN" spc="-1" dirty="0">
+                <a:solidFill>
+                  <a:srgbClr val="000000"/>
+                </a:solidFill>
+                <a:uFill>
+                  <a:solidFill>
+                    <a:srgbClr val="FFFFFF"/>
+                  </a:solidFill>
+                </a:uFill>
+                <a:latin typeface="Calibri"/>
+              </a:rPr>
+              <a:t> 41306 </a:t>
             </a:r>
             <a:r>
               <a:rPr lang="en-IN" spc="-1" dirty="0" smtClean="0">
@@ -10650,7 +10681,7 @@
                 </a:uFill>
                 <a:latin typeface="Calibri"/>
               </a:rPr>
-              <a:t>    b   </a:t>
+              <a:t>  17909 </a:t>
             </a:r>
             <a:r>
               <a:rPr lang="en-IN" spc="-1" dirty="0">
@@ -10664,7 +10695,7 @@
                 </a:uFill>
                 <a:latin typeface="Calibri"/>
               </a:rPr>
-              <a:t>&lt;-- classified as</a:t>
+              <a:t>|     a = NF</a:t>
             </a:r>
           </a:p>
           <a:p>
@@ -10681,7 +10712,7 @@
                 </a:uFill>
                 <a:latin typeface="Calibri"/>
               </a:rPr>
-              <a:t> 45317 </a:t>
+              <a:t> 29942 </a:t>
             </a:r>
             <a:r>
               <a:rPr lang="en-IN" spc="-1" dirty="0" smtClean="0">
@@ -10695,52 +10726,7 @@
                 </a:uFill>
                 <a:latin typeface="Calibri"/>
               </a:rPr>
-              <a:t>  18254 </a:t>
-            </a:r>
-            <a:r>
-              <a:rPr lang="en-IN" spc="-1" dirty="0">
-                <a:solidFill>
-                  <a:srgbClr val="000000"/>
-                </a:solidFill>
-                <a:uFill>
-                  <a:solidFill>
-                    <a:srgbClr val="FFFFFF"/>
-                  </a:solidFill>
-                </a:uFill>
-                <a:latin typeface="Calibri"/>
-              </a:rPr>
-              <a:t>|     a = NF</a:t>
-            </a:r>
-          </a:p>
-          <a:p>
-            <a:pPr lvl="4"/>
-            <a:r>
-              <a:rPr lang="en-IN" spc="-1" dirty="0">
-                <a:solidFill>
-                  <a:srgbClr val="000000"/>
-                </a:solidFill>
-                <a:uFill>
-                  <a:solidFill>
-                    <a:srgbClr val="FFFFFF"/>
-                  </a:solidFill>
-                </a:uFill>
-                <a:latin typeface="Calibri"/>
-              </a:rPr>
-              <a:t> 31023 </a:t>
-            </a:r>
-            <a:r>
-              <a:rPr lang="en-IN" spc="-1" dirty="0" smtClean="0">
-                <a:solidFill>
-                  <a:srgbClr val="000000"/>
-                </a:solidFill>
-                <a:uFill>
-                  <a:solidFill>
-                    <a:srgbClr val="FFFFFF"/>
-                  </a:solidFill>
-                </a:uFill>
-                <a:latin typeface="Calibri"/>
-              </a:rPr>
-              <a:t>  21322 </a:t>
+              <a:t>  21174 </a:t>
             </a:r>
             <a:r>
               <a:rPr lang="en-IN" spc="-1" dirty="0">
@@ -10994,7 +10980,7 @@
                 </a:uFill>
                 <a:latin typeface="Calibri"/>
               </a:rPr>
-              <a:t>66504               57.3726 </a:t>
+              <a:t>62253               56.4239 </a:t>
             </a:r>
             <a:r>
               <a:rPr lang="en-IN" spc="-1" dirty="0" smtClean="0">
@@ -11104,7 +11090,7 @@
                 </a:uFill>
                 <a:latin typeface="Calibri"/>
               </a:rPr>
-              <a:t>49412               42.6274 </a:t>
+              <a:t>48078               43.5761 </a:t>
             </a:r>
             <a:r>
               <a:rPr lang="en-IN" spc="-1" dirty="0" smtClean="0">
@@ -11199,7 +11185,7 @@
                 </a:uFill>
                 <a:latin typeface="Calibri"/>
               </a:rPr>
-              <a:t>96.8005 %</a:t>
+              <a:t>97.8079 %</a:t>
             </a:r>
             <a:endParaRPr lang="en-IN" sz="1800" b="0" strike="noStrike" spc="-1" dirty="0">
               <a:solidFill>
@@ -11322,6 +11308,62 @@
           <a:p>
             <a:pPr lvl="4"/>
             <a:r>
+              <a:rPr lang="en-IN" spc="-1">
+                <a:solidFill>
+                  <a:srgbClr val="000000"/>
+                </a:solidFill>
+                <a:uFill>
+                  <a:solidFill>
+                    <a:srgbClr val="FFFFFF"/>
+                  </a:solidFill>
+                </a:uFill>
+                <a:latin typeface="Calibri"/>
+              </a:rPr>
+              <a:t>    </a:t>
+            </a:r>
+            <a:r>
+              <a:rPr lang="en-IN" spc="-1" smtClean="0">
+                <a:solidFill>
+                  <a:srgbClr val="000000"/>
+                </a:solidFill>
+                <a:uFill>
+                  <a:solidFill>
+                    <a:srgbClr val="FFFFFF"/>
+                  </a:solidFill>
+                </a:uFill>
+                <a:latin typeface="Calibri"/>
+              </a:rPr>
+              <a:t>   </a:t>
+            </a:r>
+            <a:r>
+              <a:rPr lang="en-IN" spc="-1">
+                <a:solidFill>
+                  <a:srgbClr val="000000"/>
+                </a:solidFill>
+                <a:uFill>
+                  <a:solidFill>
+                    <a:srgbClr val="FFFFFF"/>
+                  </a:solidFill>
+                </a:uFill>
+                <a:latin typeface="Calibri"/>
+              </a:rPr>
+              <a:t>a   </a:t>
+            </a:r>
+            <a:r>
+              <a:rPr lang="en-IN" spc="-1" smtClean="0">
+                <a:solidFill>
+                  <a:srgbClr val="000000"/>
+                </a:solidFill>
+                <a:uFill>
+                  <a:solidFill>
+                    <a:srgbClr val="FFFFFF"/>
+                  </a:solidFill>
+                </a:uFill>
+                <a:latin typeface="Calibri"/>
+              </a:rPr>
+              <a:t>      </a:t>
+            </a:r>
+            <a:r>
               <a:rPr lang="en-IN" spc="-1" dirty="0">
                 <a:solidFill>
                   <a:srgbClr val="000000"/>
@@ -11333,7 +11375,24 @@
                 </a:uFill>
                 <a:latin typeface="Calibri"/>
               </a:rPr>
-              <a:t>  </a:t>
+              <a:t>b   &lt;-- classified as</a:t>
+            </a:r>
+          </a:p>
+          <a:p>
+            <a:pPr lvl="4"/>
+            <a:r>
+              <a:rPr lang="en-IN" spc="-1" dirty="0">
+                <a:solidFill>
+                  <a:srgbClr val="000000"/>
+                </a:solidFill>
+                <a:uFill>
+                  <a:solidFill>
+                    <a:srgbClr val="FFFFFF"/>
+                  </a:solidFill>
+                </a:uFill>
+                <a:latin typeface="Calibri"/>
+              </a:rPr>
+              <a:t> 41964 </a:t>
             </a:r>
             <a:r>
               <a:rPr lang="en-IN" spc="-1" dirty="0" smtClean="0">
@@ -11347,7 +11406,7 @@
                 </a:uFill>
                 <a:latin typeface="Calibri"/>
               </a:rPr>
-              <a:t>     </a:t>
+              <a:t>  17251 </a:t>
             </a:r>
             <a:r>
               <a:rPr lang="en-IN" spc="-1" dirty="0">
@@ -11361,7 +11420,24 @@
                 </a:uFill>
                 <a:latin typeface="Calibri"/>
               </a:rPr>
-              <a:t>a     </a:t>
+              <a:t>|     a = NF</a:t>
+            </a:r>
+          </a:p>
+          <a:p>
+            <a:pPr lvl="4"/>
+            <a:r>
+              <a:rPr lang="en-IN" spc="-1" dirty="0">
+                <a:solidFill>
+                  <a:srgbClr val="000000"/>
+                </a:solidFill>
+                <a:uFill>
+                  <a:solidFill>
+                    <a:srgbClr val="FFFFFF"/>
+                  </a:solidFill>
+                </a:uFill>
+                <a:latin typeface="Calibri"/>
+              </a:rPr>
+              <a:t> </a:t>
             </a:r>
             <a:r>
               <a:rPr lang="en-IN" spc="-1" dirty="0" smtClean="0">
@@ -11375,7 +11451,7 @@
                 </a:uFill>
                 <a:latin typeface="Calibri"/>
               </a:rPr>
-              <a:t>    b   </a:t>
+              <a:t>30827   </a:t>
             </a:r>
             <a:r>
               <a:rPr lang="en-IN" spc="-1" dirty="0">
@@ -11389,97 +11465,7 @@
                 </a:uFill>
                 <a:latin typeface="Calibri"/>
               </a:rPr>
-              <a:t>&lt;-- classified as</a:t>
-            </a:r>
-          </a:p>
-          <a:p>
-            <a:pPr lvl="4"/>
-            <a:r>
-              <a:rPr lang="en-IN" spc="-1" dirty="0">
-                <a:solidFill>
-                  <a:srgbClr val="000000"/>
-                </a:solidFill>
-                <a:uFill>
-                  <a:solidFill>
-                    <a:srgbClr val="FFFFFF"/>
-                  </a:solidFill>
-                </a:uFill>
-                <a:latin typeface="Calibri"/>
-              </a:rPr>
-              <a:t> 46011 </a:t>
-            </a:r>
-            <a:r>
-              <a:rPr lang="en-IN" spc="-1" dirty="0" smtClean="0">
-                <a:solidFill>
-                  <a:srgbClr val="000000"/>
-                </a:solidFill>
-                <a:uFill>
-                  <a:solidFill>
-                    <a:srgbClr val="FFFFFF"/>
-                  </a:solidFill>
-                </a:uFill>
-                <a:latin typeface="Calibri"/>
-              </a:rPr>
-              <a:t>  17560 </a:t>
-            </a:r>
-            <a:r>
-              <a:rPr lang="en-IN" spc="-1" dirty="0">
-                <a:solidFill>
-                  <a:srgbClr val="000000"/>
-                </a:solidFill>
-                <a:uFill>
-                  <a:solidFill>
-                    <a:srgbClr val="FFFFFF"/>
-                  </a:solidFill>
-                </a:uFill>
-                <a:latin typeface="Calibri"/>
-              </a:rPr>
-              <a:t>|     a = NF</a:t>
-            </a:r>
-          </a:p>
-          <a:p>
-            <a:pPr lvl="4"/>
-            <a:r>
-              <a:rPr lang="en-IN" spc="-1" dirty="0">
-                <a:solidFill>
-                  <a:srgbClr val="000000"/>
-                </a:solidFill>
-                <a:uFill>
-                  <a:solidFill>
-                    <a:srgbClr val="FFFFFF"/>
-                  </a:solidFill>
-                </a:uFill>
-                <a:latin typeface="Calibri"/>
-              </a:rPr>
-              <a:t> </a:t>
-            </a:r>
-            <a:r>
-              <a:rPr lang="en-IN" spc="-1" dirty="0" smtClean="0">
-                <a:solidFill>
-                  <a:srgbClr val="000000"/>
-                </a:solidFill>
-                <a:uFill>
-                  <a:solidFill>
-                    <a:srgbClr val="FFFFFF"/>
-                  </a:solidFill>
-                </a:uFill>
-                <a:latin typeface="Calibri"/>
-              </a:rPr>
-              <a:t>31852   </a:t>
-            </a:r>
-            <a:r>
-              <a:rPr lang="en-IN" spc="-1" dirty="0">
-                <a:solidFill>
-                  <a:srgbClr val="000000"/>
-                </a:solidFill>
-                <a:uFill>
-                  <a:solidFill>
-                    <a:srgbClr val="FFFFFF"/>
-                  </a:solidFill>
-                </a:uFill>
-                <a:latin typeface="Calibri"/>
-              </a:rPr>
-              <a:t>20493 |     b = F</a:t>
+              <a:t>20289 |     b = F</a:t>
             </a:r>
           </a:p>
         </p:txBody>
@@ -11865,8 +11851,8 @@
         </p:nvSpPr>
         <p:spPr>
           <a:xfrm>
-            <a:off x="879865" y="1205134"/>
-            <a:ext cx="7669223" cy="6370975"/>
+            <a:off x="829548" y="1373748"/>
+            <a:ext cx="7669223" cy="5816977"/>
           </a:xfrm>
           <a:prstGeom prst="rect">
             <a:avLst/>
@@ -11902,7 +11888,7 @@
             </a:pPr>
             <a:r>
               <a:rPr lang="en-US" dirty="0" smtClean="0"/>
-              <a:t>TOTAL INSTANCES : 115916	</a:t>
+              <a:t>TOTAL INSTANCES : 110331</a:t>
             </a:r>
           </a:p>
           <a:p>
@@ -11934,23 +11920,6 @@
             <a:r>
               <a:rPr lang="en-US" dirty="0" smtClean="0"/>
               <a:t>BUTRANS ONLY : 46344</a:t>
-            </a:r>
-          </a:p>
-          <a:p>
-            <a:pPr marL="742950" lvl="1" indent="-285750">
-              <a:buFont typeface="Wingdings" panose="05000000000000000000" pitchFamily="2" charset="2"/>
-              <a:buChar char="Ø"/>
-            </a:pPr>
-            <a:endParaRPr lang="en-US" dirty="0"/>
-          </a:p>
-          <a:p>
-            <a:pPr marL="742950" lvl="1" indent="-285750">
-              <a:buFont typeface="Wingdings" panose="05000000000000000000" pitchFamily="2" charset="2"/>
-              <a:buChar char="Ø"/>
-            </a:pPr>
-            <a:r>
-              <a:rPr lang="en-US" dirty="0" smtClean="0"/>
-              <a:t>BOTH OPANA AND BUTRANS : 5585</a:t>
             </a:r>
           </a:p>
           <a:p>
@@ -12324,11 +12293,7 @@
             </a:r>
             <a:r>
               <a:rPr lang="en-US" sz="2000" smtClean="0"/>
-              <a:t>BUYER </a:t>
-            </a:r>
-            <a:r>
-              <a:rPr lang="en-US" sz="2000" smtClean="0"/>
-              <a:t>(NF</a:t>
+              <a:t>BUYER (NF</a:t>
             </a:r>
             <a:r>
               <a:rPr lang="en-US" sz="2000" dirty="0" smtClean="0"/>
@@ -12551,8 +12516,8 @@
         </p:nvSpPr>
         <p:spPr>
           <a:xfrm>
-            <a:off x="823190" y="1010245"/>
-            <a:ext cx="8405870" cy="5539978"/>
+            <a:off x="1142679" y="1715325"/>
+            <a:ext cx="8405870" cy="4339650"/>
           </a:xfrm>
           <a:prstGeom prst="rect">
             <a:avLst/>
@@ -12718,72 +12683,11 @@
             <a:endParaRPr lang="en-US" sz="2400" b="1" dirty="0" smtClean="0"/>
           </a:p>
           <a:p>
-            <a:pPr marL="342900" indent="-342900">
-              <a:buFont typeface="Wingdings" panose="05000000000000000000" pitchFamily="2" charset="2"/>
-              <a:buChar char="Ø"/>
-            </a:pPr>
-            <a:r>
-              <a:rPr lang="en-US" sz="2400" b="1" dirty="0"/>
-              <a:t> </a:t>
-            </a:r>
-            <a:r>
-              <a:rPr lang="en-US" sz="2400" b="1" u="sng" dirty="0" smtClean="0"/>
-              <a:t>BOTH</a:t>
-            </a:r>
-            <a:r>
-              <a:rPr lang="en-US" sz="2400" b="1" dirty="0" smtClean="0"/>
-              <a:t> :</a:t>
-            </a:r>
-          </a:p>
-          <a:p>
-            <a:r>
-              <a:rPr lang="en-US" sz="2400" b="1" dirty="0"/>
-              <a:t> </a:t>
-            </a:r>
-            <a:endParaRPr lang="en-US" sz="2400" b="1" dirty="0" smtClean="0"/>
-          </a:p>
-          <a:p>
             <a:pPr marL="800100" lvl="1" indent="-342900">
               <a:buFont typeface="Wingdings" panose="05000000000000000000" pitchFamily="2" charset="2"/>
               <a:buChar char="Ø"/>
             </a:pPr>
-            <a:r>
-              <a:rPr lang="en-US" b="1" dirty="0"/>
-              <a:t>MEDIAN : 3</a:t>
-            </a:r>
-          </a:p>
-          <a:p>
-            <a:pPr marL="800100" lvl="1" indent="-342900">
-              <a:buFont typeface="Wingdings" panose="05000000000000000000" pitchFamily="2" charset="2"/>
-              <a:buChar char="Ø"/>
-            </a:pPr>
-            <a:r>
-              <a:rPr lang="en-US" dirty="0" smtClean="0"/>
-              <a:t>F </a:t>
-            </a:r>
-            <a:r>
-              <a:rPr lang="en-US" dirty="0"/>
-              <a:t>: 1229/5585 (22.01</a:t>
-            </a:r>
-            <a:r>
-              <a:rPr lang="en-US" dirty="0" smtClean="0"/>
-              <a:t>%)</a:t>
-            </a:r>
-          </a:p>
-          <a:p>
-            <a:pPr marL="800100" lvl="1" indent="-342900">
-              <a:buFont typeface="Wingdings" panose="05000000000000000000" pitchFamily="2" charset="2"/>
-              <a:buChar char="Ø"/>
-            </a:pPr>
-            <a:r>
-              <a:rPr lang="en-US" dirty="0" smtClean="0"/>
-              <a:t>NF </a:t>
-            </a:r>
-            <a:r>
-              <a:rPr lang="en-US" dirty="0"/>
-              <a:t>: 4356/5585 (77.99%)</a:t>
-            </a:r>
-            <a:endParaRPr lang="en-US" sz="2000" dirty="0"/>
+            <a:endParaRPr lang="en-US" sz="2400" b="1" dirty="0" smtClean="0"/>
           </a:p>
         </p:txBody>
       </p:sp>
@@ -12852,7 +12756,7 @@
         </p:nvSpPr>
         <p:spPr>
           <a:xfrm>
-            <a:off x="552960" y="208085"/>
+            <a:off x="552960" y="201275"/>
             <a:ext cx="8227440" cy="1140840"/>
           </a:xfrm>
           <a:prstGeom prst="rect">
@@ -12915,7 +12819,7 @@
         </p:nvSpPr>
         <p:spPr>
           <a:xfrm>
-            <a:off x="1872821" y="1946037"/>
+            <a:off x="1982989" y="2353661"/>
             <a:ext cx="6610122" cy="1459440"/>
           </a:xfrm>
           <a:prstGeom prst="rect">
@@ -13220,108 +13124,6 @@
             </a:r>
           </a:p>
           <a:p>
-            <a:pPr marL="400050" indent="-400050">
-              <a:lnSpc>
-                <a:spcPct val="100000"/>
-              </a:lnSpc>
-              <a:buFont typeface="+mj-lt"/>
-              <a:buAutoNum type="romanLcPeriod"/>
-            </a:pPr>
-            <a:r>
-              <a:rPr lang="en-US" sz="2000" spc="-1" dirty="0">
-                <a:solidFill>
-                  <a:srgbClr val="000000"/>
-                </a:solidFill>
-                <a:uFill>
-                  <a:solidFill>
-                    <a:srgbClr val="FFFFFF"/>
-                  </a:solidFill>
-                </a:uFill>
-                <a:latin typeface="Calibri"/>
-              </a:rPr>
-              <a:t> TOTAL HIP ANTHROPLASTY</a:t>
-            </a:r>
-            <a:endParaRPr lang="en-US" sz="2000" spc="-1" dirty="0" smtClean="0">
-              <a:solidFill>
-                <a:srgbClr val="000000"/>
-              </a:solidFill>
-              <a:uFill>
-                <a:solidFill>
-                  <a:srgbClr val="FFFFFF"/>
-                </a:solidFill>
-              </a:uFill>
-              <a:latin typeface="Calibri"/>
-            </a:endParaRPr>
-          </a:p>
-          <a:p>
-            <a:pPr marL="400050" indent="-400050">
-              <a:lnSpc>
-                <a:spcPct val="100000"/>
-              </a:lnSpc>
-              <a:buFont typeface="+mj-lt"/>
-              <a:buAutoNum type="romanLcPeriod"/>
-            </a:pPr>
-            <a:r>
-              <a:rPr lang="en-US" sz="2000" spc="-1" dirty="0">
-                <a:solidFill>
-                  <a:srgbClr val="000000"/>
-                </a:solidFill>
-                <a:uFill>
-                  <a:solidFill>
-                    <a:srgbClr val="FFFFFF"/>
-                  </a:solidFill>
-                </a:uFill>
-                <a:latin typeface="Calibri"/>
-              </a:rPr>
-              <a:t> IRIDECTOMY</a:t>
-            </a:r>
-            <a:endParaRPr lang="en-US" sz="2000" spc="-1" dirty="0" smtClean="0">
-              <a:solidFill>
-                <a:srgbClr val="000000"/>
-              </a:solidFill>
-              <a:uFill>
-                <a:solidFill>
-                  <a:srgbClr val="FFFFFF"/>
-                </a:solidFill>
-              </a:uFill>
-              <a:latin typeface="Calibri"/>
-            </a:endParaRPr>
-          </a:p>
-          <a:p>
-            <a:pPr marL="400050" indent="-400050">
-              <a:lnSpc>
-                <a:spcPct val="100000"/>
-              </a:lnSpc>
-              <a:buFont typeface="+mj-lt"/>
-              <a:buAutoNum type="romanLcPeriod"/>
-            </a:pPr>
-            <a:r>
-              <a:rPr lang="en-US" sz="2000" spc="-1" dirty="0">
-                <a:solidFill>
-                  <a:srgbClr val="000000"/>
-                </a:solidFill>
-                <a:uFill>
-                  <a:solidFill>
-                    <a:srgbClr val="FFFFFF"/>
-                  </a:solidFill>
-                </a:uFill>
-                <a:latin typeface="Calibri"/>
-              </a:rPr>
-              <a:t> TOTAL HIP REPLACEMENT</a:t>
-            </a:r>
-            <a:endParaRPr lang="en-IN" sz="2000" spc="-1" dirty="0" smtClean="0">
-              <a:solidFill>
-                <a:srgbClr val="000000"/>
-              </a:solidFill>
-              <a:uFill>
-                <a:solidFill>
-                  <a:srgbClr val="FFFFFF"/>
-                </a:solidFill>
-              </a:uFill>
-              <a:latin typeface="Calibri"/>
-            </a:endParaRPr>
-          </a:p>
-          <a:p>
             <a:pPr>
               <a:lnSpc>
                 <a:spcPct val="100000"/>
@@ -13399,7 +13201,7 @@
         </p:nvSpPr>
         <p:spPr>
           <a:xfrm>
-            <a:off x="1509265" y="1445659"/>
+            <a:off x="1586383" y="1647833"/>
             <a:ext cx="4836450" cy="400110"/>
           </a:xfrm>
           <a:prstGeom prst="rect">
@@ -13419,7 +13221,7 @@
             </a:pPr>
             <a:r>
               <a:rPr lang="en-US" sz="2000" dirty="0" smtClean="0"/>
-              <a:t>Total number of Attributes : 14</a:t>
+              <a:t>Total number of Attributes : 11</a:t>
             </a:r>
             <a:endParaRPr lang="en-US" sz="2000" dirty="0"/>
           </a:p>
@@ -13630,7 +13432,7 @@
                 </a:uFill>
                 <a:latin typeface="Calibri"/>
               </a:rPr>
-              <a:t>63571               54.8423 </a:t>
+              <a:t>59215               53.6703 </a:t>
             </a:r>
             <a:r>
               <a:rPr lang="en-IN" spc="-1" dirty="0" smtClean="0">
@@ -13710,7 +13512,7 @@
                 </a:uFill>
                 <a:latin typeface="Calibri"/>
               </a:rPr>
-              <a:t>52345               45.1577 </a:t>
+              <a:t>51116               46.3297 </a:t>
             </a:r>
             <a:r>
               <a:rPr lang="en-IN" spc="-1" dirty="0" smtClean="0">
@@ -13954,7 +13756,7 @@
                 </a:uFill>
                 <a:latin typeface="Calibri"/>
               </a:rPr>
-              <a:t>   </a:t>
+              <a:t>    </a:t>
             </a:r>
             <a:r>
               <a:rPr lang="en-IN" spc="-1" dirty="0">
@@ -13996,40 +13798,12 @@
                 </a:uFill>
                 <a:latin typeface="Calibri"/>
               </a:rPr>
-              <a:t>b   &lt;-- classified </a:t>
-            </a:r>
-            <a:r>
-              <a:rPr lang="en-IN" spc="-1" dirty="0" smtClean="0">
-                <a:solidFill>
-                  <a:srgbClr val="000000"/>
-                </a:solidFill>
-                <a:uFill>
-                  <a:solidFill>
-                    <a:srgbClr val="FFFFFF"/>
-                  </a:solidFill>
-                </a:uFill>
-                <a:latin typeface="Calibri"/>
-              </a:rPr>
-              <a:t>as</a:t>
+              <a:t>b   &lt;-- classified as</a:t>
             </a:r>
           </a:p>
           <a:p>
             <a:pPr lvl="4"/>
             <a:r>
-              <a:rPr lang="en-IN" spc="-1" dirty="0" smtClean="0">
-                <a:solidFill>
-                  <a:srgbClr val="000000"/>
-                </a:solidFill>
-                <a:uFill>
-                  <a:solidFill>
-                    <a:srgbClr val="FFFFFF"/>
-                  </a:solidFill>
-                </a:uFill>
-                <a:latin typeface="Calibri"/>
-              </a:rPr>
-              <a:t> </a:t>
-            </a:r>
-            <a:r>
               <a:rPr lang="en-IN" spc="-1" dirty="0">
                 <a:solidFill>
                   <a:srgbClr val="000000"/>
@@ -14041,7 +13815,7 @@
                 </a:uFill>
                 <a:latin typeface="Calibri"/>
               </a:rPr>
-              <a:t>63571     0 |     a = NF</a:t>
+              <a:t> 59215     0 |     a = NF</a:t>
             </a:r>
           </a:p>
           <a:p>
@@ -14058,7 +13832,7 @@
                 </a:uFill>
                 <a:latin typeface="Calibri"/>
               </a:rPr>
-              <a:t> 52345     0 |     b = F</a:t>
+              <a:t> 51116     0 |     b = F</a:t>
             </a:r>
             <a:endParaRPr lang="en-IN" b="0" strike="noStrike" spc="-1" dirty="0">
               <a:solidFill>
@@ -14298,7 +14072,7 @@
                 </a:uFill>
                 <a:latin typeface="Calibri"/>
               </a:rPr>
-              <a:t>64074               55.2762 </a:t>
+              <a:t>59852               54.2477 </a:t>
             </a:r>
             <a:r>
               <a:rPr lang="en-IN" spc="-1" dirty="0" smtClean="0">
@@ -14378,7 +14152,7 @@
                 </a:uFill>
                 <a:latin typeface="Calibri"/>
               </a:rPr>
-              <a:t>51842               44.7238 </a:t>
+              <a:t>50479               45.7523 </a:t>
             </a:r>
             <a:r>
               <a:rPr lang="en-IN" spc="-1" dirty="0" smtClean="0">
@@ -14458,22 +14232,19 @@
                 </a:uFill>
                 <a:latin typeface="Calibri"/>
               </a:rPr>
-              <a:t>98.1365 </a:t>
-            </a:r>
-            <a:r>
-              <a:rPr lang="en-IN" spc="-1" dirty="0" smtClean="0">
-                <a:solidFill>
-                  <a:srgbClr val="000000"/>
-                </a:solidFill>
-                <a:uFill>
-                  <a:solidFill>
-                    <a:srgbClr val="FFFFFF"/>
-                  </a:solidFill>
-                </a:uFill>
-                <a:latin typeface="Calibri"/>
-              </a:rPr>
-              <a:t>%</a:t>
-            </a:r>
+              <a:t>99.1732 %</a:t>
+            </a:r>
+            <a:endParaRPr lang="en-IN" spc="-1" dirty="0" smtClean="0">
+              <a:solidFill>
+                <a:srgbClr val="000000"/>
+              </a:solidFill>
+              <a:uFill>
+                <a:solidFill>
+                  <a:srgbClr val="FFFFFF"/>
+                </a:solidFill>
+              </a:uFill>
+              <a:latin typeface="Calibri"/>
+            </a:endParaRPr>
           </a:p>
           <a:p>
             <a:pPr marL="1440">
@@ -14602,7 +14373,7 @@
                 </a:uFill>
                 <a:latin typeface="Calibri"/>
               </a:rPr>
-              <a:t>     a     </a:t>
+              <a:t>    </a:t>
             </a:r>
             <a:r>
               <a:rPr lang="en-IN" spc="-1" dirty="0" smtClean="0">
@@ -14616,7 +14387,7 @@
                 </a:uFill>
                 <a:latin typeface="Calibri"/>
               </a:rPr>
-              <a:t>      b   </a:t>
+              <a:t>   </a:t>
             </a:r>
             <a:r>
               <a:rPr lang="en-IN" spc="-1" dirty="0">
@@ -14630,6 +14401,34 @@
                 </a:uFill>
                 <a:latin typeface="Calibri"/>
               </a:rPr>
+              <a:t>a  </a:t>
+            </a:r>
+            <a:r>
+              <a:rPr lang="en-IN" spc="-1" dirty="0" smtClean="0">
+                <a:solidFill>
+                  <a:srgbClr val="000000"/>
+                </a:solidFill>
+                <a:uFill>
+                  <a:solidFill>
+                    <a:srgbClr val="FFFFFF"/>
+                  </a:solidFill>
+                </a:uFill>
+                <a:latin typeface="Calibri"/>
+              </a:rPr>
+              <a:t>       b   </a:t>
+            </a:r>
+            <a:r>
+              <a:rPr lang="en-IN" spc="-1" dirty="0">
+                <a:solidFill>
+                  <a:srgbClr val="000000"/>
+                </a:solidFill>
+                <a:uFill>
+                  <a:solidFill>
+                    <a:srgbClr val="FFFFFF"/>
+                  </a:solidFill>
+                </a:uFill>
+                <a:latin typeface="Calibri"/>
+              </a:rPr>
               <a:t>&lt;-- classified as</a:t>
             </a:r>
           </a:p>
@@ -14647,7 +14446,7 @@
                 </a:uFill>
                 <a:latin typeface="Calibri"/>
               </a:rPr>
-              <a:t> 45842 </a:t>
+              <a:t> 41685 </a:t>
             </a:r>
             <a:r>
               <a:rPr lang="en-IN" spc="-1" dirty="0" smtClean="0">
@@ -14661,7 +14460,7 @@
                 </a:uFill>
                 <a:latin typeface="Calibri"/>
               </a:rPr>
-              <a:t>  17729 </a:t>
+              <a:t>  17530 </a:t>
             </a:r>
             <a:r>
               <a:rPr lang="en-IN" spc="-1" dirty="0">
@@ -14692,7 +14491,7 @@
                 </a:uFill>
                 <a:latin typeface="Calibri"/>
               </a:rPr>
-              <a:t> 34113 </a:t>
+              <a:t> </a:t>
             </a:r>
             <a:r>
               <a:rPr lang="en-IN" spc="-1" dirty="0" smtClean="0">
@@ -14706,7 +14505,7 @@
                 </a:uFill>
                 <a:latin typeface="Calibri"/>
               </a:rPr>
-              <a:t>  18232 </a:t>
+              <a:t>32949   </a:t>
             </a:r>
             <a:r>
               <a:rPr lang="en-IN" spc="-1" dirty="0">
@@ -14720,7 +14519,7 @@
                 </a:uFill>
                 <a:latin typeface="Calibri"/>
               </a:rPr>
-              <a:t>|     b = F</a:t>
+              <a:t>18167 |     b = F</a:t>
             </a:r>
           </a:p>
         </p:txBody>
@@ -14950,7 +14749,7 @@
                 </a:uFill>
                 <a:latin typeface="Calibri"/>
               </a:rPr>
-              <a:t>66553               57.4149 </a:t>
+              <a:t>62224               56.3976 </a:t>
             </a:r>
             <a:r>
               <a:rPr lang="en-IN" spc="-1" dirty="0" smtClean="0">
@@ -15030,7 +14829,7 @@
                 </a:uFill>
                 <a:latin typeface="Calibri"/>
               </a:rPr>
-              <a:t>49363               42.5851 </a:t>
+              <a:t>48107               43.6024 </a:t>
             </a:r>
             <a:r>
               <a:rPr lang="en-IN" spc="-1" dirty="0" smtClean="0">
@@ -15110,7 +14909,7 @@
                 </a:uFill>
                 <a:latin typeface="Calibri"/>
               </a:rPr>
-              <a:t>96.8309 %</a:t>
+              <a:t>97.8437 %</a:t>
             </a:r>
             <a:endParaRPr lang="en-IN" sz="1800" b="0" strike="noStrike" spc="-1" dirty="0">
               <a:solidFill>
@@ -15260,7 +15059,7 @@
                 </a:uFill>
                 <a:latin typeface="Calibri"/>
               </a:rPr>
-              <a:t>    </a:t>
+              <a:t>     </a:t>
             </a:r>
             <a:r>
               <a:rPr lang="en-IN" spc="-1" dirty="0" smtClean="0">
@@ -15274,7 +15073,7 @@
                 </a:uFill>
                 <a:latin typeface="Calibri"/>
               </a:rPr>
-              <a:t>   </a:t>
+              <a:t> a          </a:t>
             </a:r>
             <a:r>
               <a:rPr lang="en-IN" spc="-1" dirty="0">
@@ -15288,7 +15087,24 @@
                 </a:uFill>
                 <a:latin typeface="Calibri"/>
               </a:rPr>
-              <a:t>a   </a:t>
+              <a:t>b   &lt;-- classified as</a:t>
+            </a:r>
+          </a:p>
+          <a:p>
+            <a:pPr lvl="4"/>
+            <a:r>
+              <a:rPr lang="en-IN" spc="-1" dirty="0">
+                <a:solidFill>
+                  <a:srgbClr val="000000"/>
+                </a:solidFill>
+                <a:uFill>
+                  <a:solidFill>
+                    <a:srgbClr val="FFFFFF"/>
+                  </a:solidFill>
+                </a:uFill>
+                <a:latin typeface="Calibri"/>
+              </a:rPr>
+              <a:t> 41329 </a:t>
             </a:r>
             <a:r>
               <a:rPr lang="en-IN" spc="-1" dirty="0" smtClean="0">
@@ -15302,7 +15118,7 @@
                 </a:uFill>
                 <a:latin typeface="Calibri"/>
               </a:rPr>
-              <a:t>        </a:t>
+              <a:t>  17886 </a:t>
             </a:r>
             <a:r>
               <a:rPr lang="en-IN" spc="-1" dirty="0">
@@ -15316,7 +15132,7 @@
                 </a:uFill>
                 <a:latin typeface="Calibri"/>
               </a:rPr>
-              <a:t>b   &lt;-- classified as</a:t>
+              <a:t>|     a = NF</a:t>
             </a:r>
           </a:p>
           <a:p>
@@ -15333,7 +15149,7 @@
                 </a:uFill>
                 <a:latin typeface="Calibri"/>
               </a:rPr>
-              <a:t> 45740 </a:t>
+              <a:t> 30221 </a:t>
             </a:r>
             <a:r>
               <a:rPr lang="en-IN" spc="-1" dirty="0" smtClean="0">
@@ -15347,52 +15163,7 @@
                 </a:uFill>
                 <a:latin typeface="Calibri"/>
               </a:rPr>
-              <a:t>   17831 </a:t>
-            </a:r>
-            <a:r>
-              <a:rPr lang="en-IN" spc="-1" dirty="0">
-                <a:solidFill>
-                  <a:srgbClr val="000000"/>
-                </a:solidFill>
-                <a:uFill>
-                  <a:solidFill>
-                    <a:srgbClr val="FFFFFF"/>
-                  </a:solidFill>
-                </a:uFill>
-                <a:latin typeface="Calibri"/>
-              </a:rPr>
-              <a:t>|     a = NF</a:t>
-            </a:r>
-          </a:p>
-          <a:p>
-            <a:pPr lvl="4"/>
-            <a:r>
-              <a:rPr lang="en-IN" spc="-1" dirty="0">
-                <a:solidFill>
-                  <a:srgbClr val="000000"/>
-                </a:solidFill>
-                <a:uFill>
-                  <a:solidFill>
-                    <a:srgbClr val="FFFFFF"/>
-                  </a:solidFill>
-                </a:uFill>
-                <a:latin typeface="Calibri"/>
-              </a:rPr>
-              <a:t> 31532 </a:t>
-            </a:r>
-            <a:r>
-              <a:rPr lang="en-IN" spc="-1" dirty="0" smtClean="0">
-                <a:solidFill>
-                  <a:srgbClr val="000000"/>
-                </a:solidFill>
-                <a:uFill>
-                  <a:solidFill>
-                    <a:srgbClr val="FFFFFF"/>
-                  </a:solidFill>
-                </a:uFill>
-                <a:latin typeface="Calibri"/>
-              </a:rPr>
-              <a:t>   20813 </a:t>
+              <a:t>  20895 </a:t>
             </a:r>
             <a:r>
               <a:rPr lang="en-IN" spc="-1" dirty="0">
@@ -16043,25 +15814,12 @@
                   </a:solidFill>
                 </a:uFill>
               </a:rPr>
-              <a:t>|   |   |   |   |   |   |   |   |   |   |   REGION &gt; 3: F (7.0/1.0</a:t>
-            </a:r>
-            <a:r>
-              <a:rPr lang="en-US" sz="1400" spc="-1" dirty="0" smtClean="0">
-                <a:solidFill>
-                  <a:srgbClr val="000000"/>
-                </a:solidFill>
-                <a:uFill>
-                  <a:solidFill>
-                    <a:srgbClr val="FFFFFF"/>
-                  </a:solidFill>
-                </a:uFill>
-              </a:rPr>
-              <a:t>)</a:t>
-            </a:r>
-          </a:p>
-          <a:p>
-            <a:r>
-              <a:rPr lang="en-US" sz="1400" spc="-1" dirty="0" smtClean="0">
+              <a:t>|   |   |   |   |   |   |   |   |   |   |   REGION &gt; 3: F (7.0/1.0)</a:t>
+            </a:r>
+          </a:p>
+          <a:p>
+            <a:r>
+              <a:rPr lang="en-US" sz="1400" spc="-1" dirty="0">
                 <a:solidFill>
                   <a:srgbClr val="000000"/>
                 </a:solidFill>
@@ -16073,6 +15831,16 @@
               </a:rPr>
               <a:t>|   |   |   |   |   |   |   |   |   ADMTYP &gt; 3</a:t>
             </a:r>
+            <a:endParaRPr lang="en-US" sz="1400" spc="-1" dirty="0" smtClean="0">
+              <a:solidFill>
+                <a:srgbClr val="000000"/>
+              </a:solidFill>
+              <a:uFill>
+                <a:solidFill>
+                  <a:srgbClr val="FFFFFF"/>
+                </a:solidFill>
+              </a:uFill>
+            </a:endParaRPr>
           </a:p>
         </p:txBody>
       </p:sp>

--- a/Presentation/class_freq_2_drug.pptx
+++ b/Presentation/class_freq_2_drug.pptx
@@ -215,7 +215,7 @@
           <a:p>
             <a:fld id="{AB7CF349-C0EE-420A-9D80-C55D75AEDD7F}" type="datetimeFigureOut">
               <a:rPr lang="en-US" smtClean="0"/>
-              <a:t>1/6/2017</a:t>
+              <a:t>1/12/2017</a:t>
             </a:fld>
             <a:endParaRPr lang="en-US"/>
           </a:p>
@@ -12923,19 +12923,30 @@
               <a:buAutoNum type="romanLcPeriod"/>
             </a:pPr>
             <a:r>
-              <a:rPr lang="en-IN" sz="2000" spc="-1" dirty="0">
-                <a:solidFill>
-                  <a:srgbClr val="000000"/>
-                </a:solidFill>
-                <a:uFill>
-                  <a:solidFill>
-                    <a:srgbClr val="FFFFFF"/>
-                  </a:solidFill>
-                </a:uFill>
-                <a:latin typeface="Calibri"/>
-              </a:rPr>
-              <a:t>REFILL COUNT</a:t>
-            </a:r>
+              <a:rPr lang="en-IN" sz="2000" spc="-1" dirty="0" smtClean="0">
+                <a:solidFill>
+                  <a:srgbClr val="000000"/>
+                </a:solidFill>
+                <a:uFill>
+                  <a:solidFill>
+                    <a:srgbClr val="FFFFFF"/>
+                  </a:solidFill>
+                </a:uFill>
+                <a:latin typeface="Calibri"/>
+              </a:rPr>
+              <a:t>ADMTYP</a:t>
+            </a:r>
+            <a:endParaRPr lang="en-IN" sz="2000" spc="-1" dirty="0">
+              <a:solidFill>
+                <a:srgbClr val="000000"/>
+              </a:solidFill>
+              <a:uFill>
+                <a:solidFill>
+                  <a:srgbClr val="FFFFFF"/>
+                </a:solidFill>
+              </a:uFill>
+              <a:latin typeface="Calibri"/>
+            </a:endParaRPr>
           </a:p>
           <a:p>
             <a:pPr marL="400050" indent="-400050">
@@ -12946,6 +12957,20 @@
               <a:buAutoNum type="romanLcPeriod"/>
             </a:pPr>
             <a:r>
+              <a:rPr lang="en-IN" sz="2000" spc="-1" dirty="0">
+                <a:solidFill>
+                  <a:srgbClr val="000000"/>
+                </a:solidFill>
+                <a:uFill>
+                  <a:solidFill>
+                    <a:srgbClr val="FFFFFF"/>
+                  </a:solidFill>
+                </a:uFill>
+                <a:latin typeface="Calibri"/>
+              </a:rPr>
+              <a:t>TOTAL </a:t>
+            </a:r>
+            <a:r>
               <a:rPr lang="en-IN" sz="2000" spc="-1" dirty="0" smtClean="0">
                 <a:solidFill>
                   <a:srgbClr val="000000"/>
@@ -12957,19 +12982,8 @@
                 </a:uFill>
                 <a:latin typeface="Calibri"/>
               </a:rPr>
-              <a:t>ADMTYP</a:t>
-            </a:r>
-            <a:endParaRPr lang="en-IN" sz="2000" spc="-1" dirty="0">
-              <a:solidFill>
-                <a:srgbClr val="000000"/>
-              </a:solidFill>
-              <a:uFill>
-                <a:solidFill>
-                  <a:srgbClr val="FFFFFF"/>
-                </a:solidFill>
-              </a:uFill>
-              <a:latin typeface="Calibri"/>
-            </a:endParaRPr>
+              <a:t>KNEE ANTRHOPLASTY</a:t>
+            </a:r>
           </a:p>
           <a:p>
             <a:pPr marL="400050" indent="-400050">
@@ -12980,20 +12994,6 @@
               <a:buAutoNum type="romanLcPeriod"/>
             </a:pPr>
             <a:r>
-              <a:rPr lang="en-IN" sz="2000" spc="-1" dirty="0">
-                <a:solidFill>
-                  <a:srgbClr val="000000"/>
-                </a:solidFill>
-                <a:uFill>
-                  <a:solidFill>
-                    <a:srgbClr val="FFFFFF"/>
-                  </a:solidFill>
-                </a:uFill>
-                <a:latin typeface="Calibri"/>
-              </a:rPr>
-              <a:t>TOTAL </a:t>
-            </a:r>
-            <a:r>
               <a:rPr lang="en-IN" sz="2000" spc="-1" dirty="0" smtClean="0">
                 <a:solidFill>
                   <a:srgbClr val="000000"/>
@@ -13005,7 +13005,7 @@
                 </a:uFill>
                 <a:latin typeface="Calibri"/>
               </a:rPr>
-              <a:t>KNEE ANTRHOPLASTY</a:t>
+              <a:t>OSTEOARTHROSIS SECONDARY  LOWER LEG</a:t>
             </a:r>
           </a:p>
           <a:p>
@@ -13017,18 +13017,18 @@
               <a:buAutoNum type="romanLcPeriod"/>
             </a:pPr>
             <a:r>
-              <a:rPr lang="en-IN" sz="2000" spc="-1" dirty="0" smtClean="0">
-                <a:solidFill>
-                  <a:srgbClr val="000000"/>
-                </a:solidFill>
-                <a:uFill>
-                  <a:solidFill>
-                    <a:srgbClr val="FFFFFF"/>
-                  </a:solidFill>
-                </a:uFill>
-                <a:latin typeface="Calibri"/>
-              </a:rPr>
-              <a:t>OSTEOARTHROSIS SECONDARY  LOWER LEG</a:t>
+              <a:rPr lang="en-US" sz="2000" spc="-1" dirty="0" smtClean="0">
+                <a:solidFill>
+                  <a:srgbClr val="000000"/>
+                </a:solidFill>
+                <a:uFill>
+                  <a:solidFill>
+                    <a:srgbClr val="FFFFFF"/>
+                  </a:solidFill>
+                </a:uFill>
+                <a:latin typeface="Calibri"/>
+              </a:rPr>
+              <a:t>REMOVAL OF FOREIGN BODY FROM EYE</a:t>
             </a:r>
           </a:p>
           <a:p>
@@ -13051,7 +13051,7 @@
                 </a:uFill>
                 <a:latin typeface="Calibri"/>
               </a:rPr>
-              <a:t>REMOVAL OF FOREIGN BODY FROM EYE</a:t>
+              <a:t>TOTAL KNEE REPLACEMENT</a:t>
             </a:r>
           </a:p>
           <a:p>
@@ -13074,7 +13074,7 @@
                 </a:uFill>
                 <a:latin typeface="Calibri"/>
               </a:rPr>
-              <a:t>TOTAL KNEE REPLACEMENT</a:t>
+              <a:t>OSTEOARTHROSIS PRIMARY LOWER LEG</a:t>
             </a:r>
           </a:p>
           <a:p>
@@ -13097,7 +13097,21 @@
                 </a:uFill>
                 <a:latin typeface="Calibri"/>
               </a:rPr>
-              <a:t>OSTEOARTHROSIS PRIMARY LOWER LEG</a:t>
+              <a:t>OSTEOARTHROSIS GENERALIZED LOWER </a:t>
+            </a:r>
+            <a:r>
+              <a:rPr lang="en-US" sz="2000" spc="-1" dirty="0" smtClean="0">
+                <a:solidFill>
+                  <a:srgbClr val="000000"/>
+                </a:solidFill>
+                <a:uFill>
+                  <a:solidFill>
+                    <a:srgbClr val="FFFFFF"/>
+                  </a:solidFill>
+                </a:uFill>
+                <a:latin typeface="Calibri"/>
+              </a:rPr>
+              <a:t>LEG</a:t>
             </a:r>
           </a:p>
           <a:p>
@@ -13109,19 +13123,30 @@
               <a:buAutoNum type="romanLcPeriod"/>
             </a:pPr>
             <a:r>
-              <a:rPr lang="en-US" sz="2000" spc="-1" dirty="0" smtClean="0">
-                <a:solidFill>
-                  <a:srgbClr val="000000"/>
-                </a:solidFill>
-                <a:uFill>
-                  <a:solidFill>
-                    <a:srgbClr val="FFFFFF"/>
-                  </a:solidFill>
-                </a:uFill>
-                <a:latin typeface="Calibri"/>
-              </a:rPr>
-              <a:t>OSTEOARTHROSIS GENERALIZED LOWER LEG</a:t>
-            </a:r>
+              <a:rPr lang="en-US" sz="2000" spc="-1" smtClean="0">
+                <a:solidFill>
+                  <a:srgbClr val="000000"/>
+                </a:solidFill>
+                <a:uFill>
+                  <a:solidFill>
+                    <a:srgbClr val="FFFFFF"/>
+                  </a:solidFill>
+                </a:uFill>
+                <a:latin typeface="Calibri"/>
+              </a:rPr>
+              <a:t>CLASS DRUG</a:t>
+            </a:r>
+            <a:endParaRPr lang="en-US" sz="2000" spc="-1" dirty="0" smtClean="0">
+              <a:solidFill>
+                <a:srgbClr val="000000"/>
+              </a:solidFill>
+              <a:uFill>
+                <a:solidFill>
+                  <a:srgbClr val="FFFFFF"/>
+                </a:solidFill>
+              </a:uFill>
+              <a:latin typeface="Calibri"/>
+            </a:endParaRPr>
           </a:p>
           <a:p>
             <a:pPr>
